--- a/grid.pptx
+++ b/grid.pptx
@@ -104,6 +104,11 @@
       </a:defRPr>
     </a:lvl9pPr>
   </p:defaultTextStyle>
+  <p:extLst>
+    <p:ext uri="{EFAFB233-063F-42B5-8137-9DF3F51BA10A}">
+      <p15:sldGuideLst xmlns:p15="http://schemas.microsoft.com/office/powerpoint/2012/main"/>
+    </p:ext>
+  </p:extLst>
 </p:presentation>
 </file>
 
@@ -256,7 +261,7 @@
           <a:p>
             <a:fld id="{4960A0CC-2696-4F93-ACD2-A4F3B639560D}" type="datetimeFigureOut">
               <a:rPr lang="en-GB" smtClean="0"/>
-              <a:t>10/04/2025</a:t>
+              <a:t>27/04/2025</a:t>
             </a:fld>
             <a:endParaRPr lang="en-GB" dirty="0"/>
           </a:p>
@@ -456,7 +461,7 @@
           <a:p>
             <a:fld id="{4960A0CC-2696-4F93-ACD2-A4F3B639560D}" type="datetimeFigureOut">
               <a:rPr lang="en-GB" smtClean="0"/>
-              <a:t>10/04/2025</a:t>
+              <a:t>27/04/2025</a:t>
             </a:fld>
             <a:endParaRPr lang="en-GB" dirty="0"/>
           </a:p>
@@ -666,7 +671,7 @@
           <a:p>
             <a:fld id="{4960A0CC-2696-4F93-ACD2-A4F3B639560D}" type="datetimeFigureOut">
               <a:rPr lang="en-GB" smtClean="0"/>
-              <a:t>10/04/2025</a:t>
+              <a:t>27/04/2025</a:t>
             </a:fld>
             <a:endParaRPr lang="en-GB" dirty="0"/>
           </a:p>
@@ -866,7 +871,7 @@
           <a:p>
             <a:fld id="{4960A0CC-2696-4F93-ACD2-A4F3B639560D}" type="datetimeFigureOut">
               <a:rPr lang="en-GB" smtClean="0"/>
-              <a:t>10/04/2025</a:t>
+              <a:t>27/04/2025</a:t>
             </a:fld>
             <a:endParaRPr lang="en-GB" dirty="0"/>
           </a:p>
@@ -1142,7 +1147,7 @@
           <a:p>
             <a:fld id="{4960A0CC-2696-4F93-ACD2-A4F3B639560D}" type="datetimeFigureOut">
               <a:rPr lang="en-GB" smtClean="0"/>
-              <a:t>10/04/2025</a:t>
+              <a:t>27/04/2025</a:t>
             </a:fld>
             <a:endParaRPr lang="en-GB" dirty="0"/>
           </a:p>
@@ -1410,7 +1415,7 @@
           <a:p>
             <a:fld id="{4960A0CC-2696-4F93-ACD2-A4F3B639560D}" type="datetimeFigureOut">
               <a:rPr lang="en-GB" smtClean="0"/>
-              <a:t>10/04/2025</a:t>
+              <a:t>27/04/2025</a:t>
             </a:fld>
             <a:endParaRPr lang="en-GB" dirty="0"/>
           </a:p>
@@ -1825,7 +1830,7 @@
           <a:p>
             <a:fld id="{4960A0CC-2696-4F93-ACD2-A4F3B639560D}" type="datetimeFigureOut">
               <a:rPr lang="en-GB" smtClean="0"/>
-              <a:t>10/04/2025</a:t>
+              <a:t>27/04/2025</a:t>
             </a:fld>
             <a:endParaRPr lang="en-GB" dirty="0"/>
           </a:p>
@@ -1967,7 +1972,7 @@
           <a:p>
             <a:fld id="{4960A0CC-2696-4F93-ACD2-A4F3B639560D}" type="datetimeFigureOut">
               <a:rPr lang="en-GB" smtClean="0"/>
-              <a:t>10/04/2025</a:t>
+              <a:t>27/04/2025</a:t>
             </a:fld>
             <a:endParaRPr lang="en-GB" dirty="0"/>
           </a:p>
@@ -2080,7 +2085,7 @@
           <a:p>
             <a:fld id="{4960A0CC-2696-4F93-ACD2-A4F3B639560D}" type="datetimeFigureOut">
               <a:rPr lang="en-GB" smtClean="0"/>
-              <a:t>10/04/2025</a:t>
+              <a:t>27/04/2025</a:t>
             </a:fld>
             <a:endParaRPr lang="en-GB" dirty="0"/>
           </a:p>
@@ -2393,7 +2398,7 @@
           <a:p>
             <a:fld id="{4960A0CC-2696-4F93-ACD2-A4F3B639560D}" type="datetimeFigureOut">
               <a:rPr lang="en-GB" smtClean="0"/>
-              <a:t>10/04/2025</a:t>
+              <a:t>27/04/2025</a:t>
             </a:fld>
             <a:endParaRPr lang="en-GB" dirty="0"/>
           </a:p>
@@ -2682,7 +2687,7 @@
           <a:p>
             <a:fld id="{4960A0CC-2696-4F93-ACD2-A4F3B639560D}" type="datetimeFigureOut">
               <a:rPr lang="en-GB" smtClean="0"/>
-              <a:t>10/04/2025</a:t>
+              <a:t>27/04/2025</a:t>
             </a:fld>
             <a:endParaRPr lang="en-GB" dirty="0"/>
           </a:p>
@@ -2925,7 +2930,7 @@
           <a:p>
             <a:fld id="{4960A0CC-2696-4F93-ACD2-A4F3B639560D}" type="datetimeFigureOut">
               <a:rPr lang="en-GB" smtClean="0"/>
-              <a:t>10/04/2025</a:t>
+              <a:t>27/04/2025</a:t>
             </a:fld>
             <a:endParaRPr lang="en-GB" dirty="0"/>
           </a:p>
@@ -4002,7 +4007,7 @@
         </p:nvSpPr>
         <p:spPr>
           <a:xfrm>
-            <a:off x="6866145" y="4806226"/>
+            <a:off x="6876193" y="4806226"/>
             <a:ext cx="1760400" cy="1548000"/>
           </a:xfrm>
           <a:prstGeom prst="flowChartMerge">

--- a/grid.pptx
+++ b/grid.pptx
@@ -261,7 +261,7 @@
           <a:p>
             <a:fld id="{4960A0CC-2696-4F93-ACD2-A4F3B639560D}" type="datetimeFigureOut">
               <a:rPr lang="en-GB" smtClean="0"/>
-              <a:t>27/04/2025</a:t>
+              <a:t>08/06/2025</a:t>
             </a:fld>
             <a:endParaRPr lang="en-GB" dirty="0"/>
           </a:p>
@@ -461,7 +461,7 @@
           <a:p>
             <a:fld id="{4960A0CC-2696-4F93-ACD2-A4F3B639560D}" type="datetimeFigureOut">
               <a:rPr lang="en-GB" smtClean="0"/>
-              <a:t>27/04/2025</a:t>
+              <a:t>08/06/2025</a:t>
             </a:fld>
             <a:endParaRPr lang="en-GB" dirty="0"/>
           </a:p>
@@ -671,7 +671,7 @@
           <a:p>
             <a:fld id="{4960A0CC-2696-4F93-ACD2-A4F3B639560D}" type="datetimeFigureOut">
               <a:rPr lang="en-GB" smtClean="0"/>
-              <a:t>27/04/2025</a:t>
+              <a:t>08/06/2025</a:t>
             </a:fld>
             <a:endParaRPr lang="en-GB" dirty="0"/>
           </a:p>
@@ -871,7 +871,7 @@
           <a:p>
             <a:fld id="{4960A0CC-2696-4F93-ACD2-A4F3B639560D}" type="datetimeFigureOut">
               <a:rPr lang="en-GB" smtClean="0"/>
-              <a:t>27/04/2025</a:t>
+              <a:t>08/06/2025</a:t>
             </a:fld>
             <a:endParaRPr lang="en-GB" dirty="0"/>
           </a:p>
@@ -1147,7 +1147,7 @@
           <a:p>
             <a:fld id="{4960A0CC-2696-4F93-ACD2-A4F3B639560D}" type="datetimeFigureOut">
               <a:rPr lang="en-GB" smtClean="0"/>
-              <a:t>27/04/2025</a:t>
+              <a:t>08/06/2025</a:t>
             </a:fld>
             <a:endParaRPr lang="en-GB" dirty="0"/>
           </a:p>
@@ -1415,7 +1415,7 @@
           <a:p>
             <a:fld id="{4960A0CC-2696-4F93-ACD2-A4F3B639560D}" type="datetimeFigureOut">
               <a:rPr lang="en-GB" smtClean="0"/>
-              <a:t>27/04/2025</a:t>
+              <a:t>08/06/2025</a:t>
             </a:fld>
             <a:endParaRPr lang="en-GB" dirty="0"/>
           </a:p>
@@ -1830,7 +1830,7 @@
           <a:p>
             <a:fld id="{4960A0CC-2696-4F93-ACD2-A4F3B639560D}" type="datetimeFigureOut">
               <a:rPr lang="en-GB" smtClean="0"/>
-              <a:t>27/04/2025</a:t>
+              <a:t>08/06/2025</a:t>
             </a:fld>
             <a:endParaRPr lang="en-GB" dirty="0"/>
           </a:p>
@@ -1972,7 +1972,7 @@
           <a:p>
             <a:fld id="{4960A0CC-2696-4F93-ACD2-A4F3B639560D}" type="datetimeFigureOut">
               <a:rPr lang="en-GB" smtClean="0"/>
-              <a:t>27/04/2025</a:t>
+              <a:t>08/06/2025</a:t>
             </a:fld>
             <a:endParaRPr lang="en-GB" dirty="0"/>
           </a:p>
@@ -2085,7 +2085,7 @@
           <a:p>
             <a:fld id="{4960A0CC-2696-4F93-ACD2-A4F3B639560D}" type="datetimeFigureOut">
               <a:rPr lang="en-GB" smtClean="0"/>
-              <a:t>27/04/2025</a:t>
+              <a:t>08/06/2025</a:t>
             </a:fld>
             <a:endParaRPr lang="en-GB" dirty="0"/>
           </a:p>
@@ -2398,7 +2398,7 @@
           <a:p>
             <a:fld id="{4960A0CC-2696-4F93-ACD2-A4F3B639560D}" type="datetimeFigureOut">
               <a:rPr lang="en-GB" smtClean="0"/>
-              <a:t>27/04/2025</a:t>
+              <a:t>08/06/2025</a:t>
             </a:fld>
             <a:endParaRPr lang="en-GB" dirty="0"/>
           </a:p>
@@ -2687,7 +2687,7 @@
           <a:p>
             <a:fld id="{4960A0CC-2696-4F93-ACD2-A4F3B639560D}" type="datetimeFigureOut">
               <a:rPr lang="en-GB" smtClean="0"/>
-              <a:t>27/04/2025</a:t>
+              <a:t>08/06/2025</a:t>
             </a:fld>
             <a:endParaRPr lang="en-GB" dirty="0"/>
           </a:p>
@@ -2930,7 +2930,7 @@
           <a:p>
             <a:fld id="{4960A0CC-2696-4F93-ACD2-A4F3B639560D}" type="datetimeFigureOut">
               <a:rPr lang="en-GB" smtClean="0"/>
-              <a:t>27/04/2025</a:t>
+              <a:t>08/06/2025</a:t>
             </a:fld>
             <a:endParaRPr lang="en-GB" dirty="0"/>
           </a:p>
@@ -4553,6 +4553,294 @@
                 </a:solidFill>
               </a:rPr>
               <a:t>2,2</a:t>
+            </a:r>
+            <a:endParaRPr lang="en-GB" sz="2000" b="1" dirty="0">
+              <a:solidFill>
+                <a:schemeClr val="accent3">
+                  <a:lumMod val="60000"/>
+                  <a:lumOff val="40000"/>
+                </a:schemeClr>
+              </a:solidFill>
+            </a:endParaRPr>
+          </a:p>
+        </p:txBody>
+      </p:sp>
+      <p:sp>
+        <p:nvSpPr>
+          <p:cNvPr id="2" name="Freeform: Shape 1">
+            <a:extLst>
+              <a:ext uri="{FF2B5EF4-FFF2-40B4-BE49-F238E27FC236}">
+                <a16:creationId xmlns:a16="http://schemas.microsoft.com/office/drawing/2014/main" id="{CAD9C609-8591-BFF7-F9E6-7964255B5034}"/>
+              </a:ext>
+            </a:extLst>
+          </p:cNvPr>
+          <p:cNvSpPr/>
+          <p:nvPr/>
+        </p:nvSpPr>
+        <p:spPr>
+          <a:xfrm>
+            <a:off x="2806210" y="5188535"/>
+            <a:ext cx="1098310" cy="1068943"/>
+          </a:xfrm>
+          <a:custGeom>
+            <a:avLst/>
+            <a:gdLst>
+              <a:gd name="connsiteX0" fmla="*/ 457200 w 938036"/>
+              <a:gd name="connsiteY0" fmla="*/ 0 h 919934"/>
+              <a:gd name="connsiteX1" fmla="*/ 925032 w 938036"/>
+              <a:gd name="connsiteY1" fmla="*/ 808075 h 919934"/>
+              <a:gd name="connsiteX2" fmla="*/ 0 w 938036"/>
+              <a:gd name="connsiteY2" fmla="*/ 893135 h 919934"/>
+            </a:gdLst>
+            <a:ahLst/>
+            <a:cxnLst>
+              <a:cxn ang="0">
+                <a:pos x="connsiteX0" y="connsiteY0"/>
+              </a:cxn>
+              <a:cxn ang="0">
+                <a:pos x="connsiteX1" y="connsiteY1"/>
+              </a:cxn>
+              <a:cxn ang="0">
+                <a:pos x="connsiteX2" y="connsiteY2"/>
+              </a:cxn>
+            </a:cxnLst>
+            <a:rect l="l" t="t" r="r" b="b"/>
+            <a:pathLst>
+              <a:path w="938036" h="919934">
+                <a:moveTo>
+                  <a:pt x="457200" y="0"/>
+                </a:moveTo>
+                <a:cubicBezTo>
+                  <a:pt x="729216" y="329609"/>
+                  <a:pt x="1001232" y="659219"/>
+                  <a:pt x="925032" y="808075"/>
+                </a:cubicBezTo>
+                <a:cubicBezTo>
+                  <a:pt x="848832" y="956931"/>
+                  <a:pt x="163033" y="925033"/>
+                  <a:pt x="0" y="893135"/>
+                </a:cubicBezTo>
+              </a:path>
+            </a:pathLst>
+          </a:custGeom>
+          <a:ln w="38100" cap="flat" cmpd="sng" algn="ctr">
+            <a:solidFill>
+              <a:schemeClr val="accent3">
+                <a:lumMod val="60000"/>
+                <a:lumOff val="40000"/>
+              </a:schemeClr>
+            </a:solidFill>
+            <a:prstDash val="solid"/>
+            <a:round/>
+            <a:headEnd type="none" w="med" len="med"/>
+            <a:tailEnd type="arrow" w="med" len="med"/>
+          </a:ln>
+        </p:spPr>
+        <p:style>
+          <a:lnRef idx="0">
+            <a:scrgbClr r="0" g="0" b="0"/>
+          </a:lnRef>
+          <a:fillRef idx="0">
+            <a:scrgbClr r="0" g="0" b="0"/>
+          </a:fillRef>
+          <a:effectRef idx="0">
+            <a:scrgbClr r="0" g="0" b="0"/>
+          </a:effectRef>
+          <a:fontRef idx="minor">
+            <a:schemeClr val="tx1"/>
+          </a:fontRef>
+        </p:style>
+        <p:txBody>
+          <a:bodyPr rtlCol="0" anchor="ctr"/>
+          <a:lstStyle/>
+          <a:p>
+            <a:pPr algn="ctr"/>
+            <a:endParaRPr lang="en-GB"/>
+          </a:p>
+        </p:txBody>
+      </p:sp>
+      <p:sp>
+        <p:nvSpPr>
+          <p:cNvPr id="3" name="Freeform: Shape 2">
+            <a:extLst>
+              <a:ext uri="{FF2B5EF4-FFF2-40B4-BE49-F238E27FC236}">
+                <a16:creationId xmlns:a16="http://schemas.microsoft.com/office/drawing/2014/main" id="{468DF49C-E089-1643-8F2E-28E5AF402135}"/>
+              </a:ext>
+            </a:extLst>
+          </p:cNvPr>
+          <p:cNvSpPr/>
+          <p:nvPr/>
+        </p:nvSpPr>
+        <p:spPr>
+          <a:xfrm rot="3859257">
+            <a:off x="3853736" y="4754838"/>
+            <a:ext cx="1098310" cy="1068943"/>
+          </a:xfrm>
+          <a:custGeom>
+            <a:avLst/>
+            <a:gdLst>
+              <a:gd name="connsiteX0" fmla="*/ 457200 w 938036"/>
+              <a:gd name="connsiteY0" fmla="*/ 0 h 919934"/>
+              <a:gd name="connsiteX1" fmla="*/ 925032 w 938036"/>
+              <a:gd name="connsiteY1" fmla="*/ 808075 h 919934"/>
+              <a:gd name="connsiteX2" fmla="*/ 0 w 938036"/>
+              <a:gd name="connsiteY2" fmla="*/ 893135 h 919934"/>
+            </a:gdLst>
+            <a:ahLst/>
+            <a:cxnLst>
+              <a:cxn ang="0">
+                <a:pos x="connsiteX0" y="connsiteY0"/>
+              </a:cxn>
+              <a:cxn ang="0">
+                <a:pos x="connsiteX1" y="connsiteY1"/>
+              </a:cxn>
+              <a:cxn ang="0">
+                <a:pos x="connsiteX2" y="connsiteY2"/>
+              </a:cxn>
+            </a:cxnLst>
+            <a:rect l="l" t="t" r="r" b="b"/>
+            <a:pathLst>
+              <a:path w="938036" h="919934">
+                <a:moveTo>
+                  <a:pt x="457200" y="0"/>
+                </a:moveTo>
+                <a:cubicBezTo>
+                  <a:pt x="729216" y="329609"/>
+                  <a:pt x="1001232" y="659219"/>
+                  <a:pt x="925032" y="808075"/>
+                </a:cubicBezTo>
+                <a:cubicBezTo>
+                  <a:pt x="848832" y="956931"/>
+                  <a:pt x="163033" y="925033"/>
+                  <a:pt x="0" y="893135"/>
+                </a:cubicBezTo>
+              </a:path>
+            </a:pathLst>
+          </a:custGeom>
+          <a:ln w="38100" cap="flat" cmpd="sng" algn="ctr">
+            <a:solidFill>
+              <a:schemeClr val="accent3">
+                <a:lumMod val="60000"/>
+                <a:lumOff val="40000"/>
+              </a:schemeClr>
+            </a:solidFill>
+            <a:prstDash val="solid"/>
+            <a:round/>
+            <a:headEnd type="none" w="med" len="med"/>
+            <a:tailEnd type="arrow" w="med" len="med"/>
+          </a:ln>
+        </p:spPr>
+        <p:style>
+          <a:lnRef idx="0">
+            <a:scrgbClr r="0" g="0" b="0"/>
+          </a:lnRef>
+          <a:fillRef idx="0">
+            <a:scrgbClr r="0" g="0" b="0"/>
+          </a:fillRef>
+          <a:effectRef idx="0">
+            <a:scrgbClr r="0" g="0" b="0"/>
+          </a:effectRef>
+          <a:fontRef idx="minor">
+            <a:schemeClr val="tx1"/>
+          </a:fontRef>
+        </p:style>
+        <p:txBody>
+          <a:bodyPr rtlCol="0" anchor="ctr"/>
+          <a:lstStyle/>
+          <a:p>
+            <a:pPr algn="ctr"/>
+            <a:endParaRPr lang="en-GB"/>
+          </a:p>
+        </p:txBody>
+      </p:sp>
+      <p:sp>
+        <p:nvSpPr>
+          <p:cNvPr id="7" name="TextBox 6">
+            <a:extLst>
+              <a:ext uri="{FF2B5EF4-FFF2-40B4-BE49-F238E27FC236}">
+                <a16:creationId xmlns:a16="http://schemas.microsoft.com/office/drawing/2014/main" id="{334D33F6-9CA2-F8A7-5EAA-353AAC198C9A}"/>
+              </a:ext>
+            </a:extLst>
+          </p:cNvPr>
+          <p:cNvSpPr txBox="1"/>
+          <p:nvPr/>
+        </p:nvSpPr>
+        <p:spPr>
+          <a:xfrm>
+            <a:off x="3999820" y="3056035"/>
+            <a:ext cx="534121" cy="400110"/>
+          </a:xfrm>
+          <a:prstGeom prst="rect">
+            <a:avLst/>
+          </a:prstGeom>
+          <a:noFill/>
+        </p:spPr>
+        <p:txBody>
+          <a:bodyPr wrap="none" rtlCol="0">
+            <a:spAutoFit/>
+          </a:bodyPr>
+          <a:lstStyle/>
+          <a:p>
+            <a:r>
+              <a:rPr lang="hu-HU" sz="2000" b="1" dirty="0">
+                <a:solidFill>
+                  <a:schemeClr val="accent3">
+                    <a:lumMod val="60000"/>
+                    <a:lumOff val="40000"/>
+                  </a:schemeClr>
+                </a:solidFill>
+              </a:rPr>
+              <a:t>1,3</a:t>
+            </a:r>
+            <a:endParaRPr lang="en-GB" sz="2000" b="1" dirty="0">
+              <a:solidFill>
+                <a:schemeClr val="accent3">
+                  <a:lumMod val="60000"/>
+                  <a:lumOff val="40000"/>
+                </a:schemeClr>
+              </a:solidFill>
+            </a:endParaRPr>
+          </a:p>
+        </p:txBody>
+      </p:sp>
+      <p:sp>
+        <p:nvSpPr>
+          <p:cNvPr id="9" name="TextBox 8">
+            <a:extLst>
+              <a:ext uri="{FF2B5EF4-FFF2-40B4-BE49-F238E27FC236}">
+                <a16:creationId xmlns:a16="http://schemas.microsoft.com/office/drawing/2014/main" id="{FD2ABCEB-CDD6-0FEE-7BCC-739D81EC2CE5}"/>
+              </a:ext>
+            </a:extLst>
+          </p:cNvPr>
+          <p:cNvSpPr txBox="1"/>
+          <p:nvPr/>
+        </p:nvSpPr>
+        <p:spPr>
+          <a:xfrm>
+            <a:off x="5719526" y="6145632"/>
+            <a:ext cx="534121" cy="400110"/>
+          </a:xfrm>
+          <a:prstGeom prst="rect">
+            <a:avLst/>
+          </a:prstGeom>
+          <a:noFill/>
+        </p:spPr>
+        <p:txBody>
+          <a:bodyPr wrap="none" rtlCol="0">
+            <a:spAutoFit/>
+          </a:bodyPr>
+          <a:lstStyle/>
+          <a:p>
+            <a:r>
+              <a:rPr lang="hu-HU" sz="2000" b="1" dirty="0">
+                <a:solidFill>
+                  <a:schemeClr val="accent3">
+                    <a:lumMod val="60000"/>
+                    <a:lumOff val="40000"/>
+                  </a:schemeClr>
+                </a:solidFill>
+              </a:rPr>
+              <a:t>3,1</a:t>
             </a:r>
             <a:endParaRPr lang="en-GB" sz="2000" b="1" dirty="0">
               <a:solidFill>

--- a/grid.pptx
+++ b/grid.pptx
@@ -261,7 +261,7 @@
           <a:p>
             <a:fld id="{4960A0CC-2696-4F93-ACD2-A4F3B639560D}" type="datetimeFigureOut">
               <a:rPr lang="en-GB" smtClean="0"/>
-              <a:t>08/06/2025</a:t>
+              <a:t>09/06/2025</a:t>
             </a:fld>
             <a:endParaRPr lang="en-GB" dirty="0"/>
           </a:p>
@@ -461,7 +461,7 @@
           <a:p>
             <a:fld id="{4960A0CC-2696-4F93-ACD2-A4F3B639560D}" type="datetimeFigureOut">
               <a:rPr lang="en-GB" smtClean="0"/>
-              <a:t>08/06/2025</a:t>
+              <a:t>09/06/2025</a:t>
             </a:fld>
             <a:endParaRPr lang="en-GB" dirty="0"/>
           </a:p>
@@ -671,7 +671,7 @@
           <a:p>
             <a:fld id="{4960A0CC-2696-4F93-ACD2-A4F3B639560D}" type="datetimeFigureOut">
               <a:rPr lang="en-GB" smtClean="0"/>
-              <a:t>08/06/2025</a:t>
+              <a:t>09/06/2025</a:t>
             </a:fld>
             <a:endParaRPr lang="en-GB" dirty="0"/>
           </a:p>
@@ -871,7 +871,7 @@
           <a:p>
             <a:fld id="{4960A0CC-2696-4F93-ACD2-A4F3B639560D}" type="datetimeFigureOut">
               <a:rPr lang="en-GB" smtClean="0"/>
-              <a:t>08/06/2025</a:t>
+              <a:t>09/06/2025</a:t>
             </a:fld>
             <a:endParaRPr lang="en-GB" dirty="0"/>
           </a:p>
@@ -1147,7 +1147,7 @@
           <a:p>
             <a:fld id="{4960A0CC-2696-4F93-ACD2-A4F3B639560D}" type="datetimeFigureOut">
               <a:rPr lang="en-GB" smtClean="0"/>
-              <a:t>08/06/2025</a:t>
+              <a:t>09/06/2025</a:t>
             </a:fld>
             <a:endParaRPr lang="en-GB" dirty="0"/>
           </a:p>
@@ -1415,7 +1415,7 @@
           <a:p>
             <a:fld id="{4960A0CC-2696-4F93-ACD2-A4F3B639560D}" type="datetimeFigureOut">
               <a:rPr lang="en-GB" smtClean="0"/>
-              <a:t>08/06/2025</a:t>
+              <a:t>09/06/2025</a:t>
             </a:fld>
             <a:endParaRPr lang="en-GB" dirty="0"/>
           </a:p>
@@ -1830,7 +1830,7 @@
           <a:p>
             <a:fld id="{4960A0CC-2696-4F93-ACD2-A4F3B639560D}" type="datetimeFigureOut">
               <a:rPr lang="en-GB" smtClean="0"/>
-              <a:t>08/06/2025</a:t>
+              <a:t>09/06/2025</a:t>
             </a:fld>
             <a:endParaRPr lang="en-GB" dirty="0"/>
           </a:p>
@@ -1972,7 +1972,7 @@
           <a:p>
             <a:fld id="{4960A0CC-2696-4F93-ACD2-A4F3B639560D}" type="datetimeFigureOut">
               <a:rPr lang="en-GB" smtClean="0"/>
-              <a:t>08/06/2025</a:t>
+              <a:t>09/06/2025</a:t>
             </a:fld>
             <a:endParaRPr lang="en-GB" dirty="0"/>
           </a:p>
@@ -2085,7 +2085,7 @@
           <a:p>
             <a:fld id="{4960A0CC-2696-4F93-ACD2-A4F3B639560D}" type="datetimeFigureOut">
               <a:rPr lang="en-GB" smtClean="0"/>
-              <a:t>08/06/2025</a:t>
+              <a:t>09/06/2025</a:t>
             </a:fld>
             <a:endParaRPr lang="en-GB" dirty="0"/>
           </a:p>
@@ -2398,7 +2398,7 @@
           <a:p>
             <a:fld id="{4960A0CC-2696-4F93-ACD2-A4F3B639560D}" type="datetimeFigureOut">
               <a:rPr lang="en-GB" smtClean="0"/>
-              <a:t>08/06/2025</a:t>
+              <a:t>09/06/2025</a:t>
             </a:fld>
             <a:endParaRPr lang="en-GB" dirty="0"/>
           </a:p>
@@ -2687,7 +2687,7 @@
           <a:p>
             <a:fld id="{4960A0CC-2696-4F93-ACD2-A4F3B639560D}" type="datetimeFigureOut">
               <a:rPr lang="en-GB" smtClean="0"/>
-              <a:t>08/06/2025</a:t>
+              <a:t>09/06/2025</a:t>
             </a:fld>
             <a:endParaRPr lang="en-GB" dirty="0"/>
           </a:p>
@@ -2930,7 +2930,7 @@
           <a:p>
             <a:fld id="{4960A0CC-2696-4F93-ACD2-A4F3B639560D}" type="datetimeFigureOut">
               <a:rPr lang="en-GB" smtClean="0"/>
-              <a:t>08/06/2025</a:t>
+              <a:t>09/06/2025</a:t>
             </a:fld>
             <a:endParaRPr lang="en-GB" dirty="0"/>
           </a:p>
@@ -3389,7 +3389,7 @@
             <a:pPr algn="ctr"/>
             <a:r>
               <a:rPr lang="hu-HU" dirty="0"/>
-              <a:t>1,1,</a:t>
+              <a:t>0,0,</a:t>
             </a:r>
           </a:p>
           <a:p>
@@ -3444,7 +3444,7 @@
             <a:pPr algn="ctr"/>
             <a:r>
               <a:rPr lang="hu-HU" dirty="0"/>
-              <a:t>2,1,</a:t>
+              <a:t>1,0,</a:t>
             </a:r>
           </a:p>
           <a:p>
@@ -3499,7 +3499,7 @@
             <a:pPr algn="ctr"/>
             <a:r>
               <a:rPr lang="hu-HU" dirty="0"/>
-              <a:t>3,1,</a:t>
+              <a:t>2,0,</a:t>
             </a:r>
           </a:p>
           <a:p>
@@ -3554,7 +3554,7 @@
             <a:pPr algn="ctr"/>
             <a:r>
               <a:rPr lang="hu-HU" dirty="0"/>
-              <a:t>4,1,</a:t>
+              <a:t>3,0,</a:t>
             </a:r>
           </a:p>
           <a:p>
@@ -3609,7 +3609,7 @@
             <a:pPr algn="ctr"/>
             <a:r>
               <a:rPr lang="hu-HU" dirty="0"/>
-              <a:t>1,2,</a:t>
+              <a:t>0,1,</a:t>
             </a:r>
           </a:p>
           <a:p>
@@ -3664,7 +3664,7 @@
             <a:pPr algn="ctr"/>
             <a:r>
               <a:rPr lang="hu-HU" dirty="0"/>
-              <a:t>2,2,</a:t>
+              <a:t>1,1,</a:t>
             </a:r>
           </a:p>
           <a:p>
@@ -3719,7 +3719,7 @@
             <a:pPr algn="ctr"/>
             <a:r>
               <a:rPr lang="hu-HU" dirty="0"/>
-              <a:t>3,2,</a:t>
+              <a:t>2,1,</a:t>
             </a:r>
           </a:p>
           <a:p>
@@ -3774,7 +3774,7 @@
             <a:pPr algn="ctr"/>
             <a:r>
               <a:rPr lang="hu-HU" dirty="0"/>
-              <a:t>1,3,</a:t>
+              <a:t>0,2,</a:t>
             </a:r>
           </a:p>
           <a:p>
@@ -3829,7 +3829,7 @@
             <a:pPr algn="ctr"/>
             <a:r>
               <a:rPr lang="hu-HU" dirty="0"/>
-              <a:t>2,3,</a:t>
+              <a:t>1,2,</a:t>
             </a:r>
           </a:p>
           <a:p>
@@ -3884,7 +3884,7 @@
             <a:pPr algn="ctr"/>
             <a:r>
               <a:rPr lang="hu-HU" dirty="0"/>
-              <a:t>1,4,</a:t>
+              <a:t>0,3,</a:t>
             </a:r>
           </a:p>
           <a:p>
@@ -3939,7 +3939,7 @@
             <a:pPr algn="ctr"/>
             <a:r>
               <a:rPr lang="hu-HU" dirty="0"/>
-              <a:t>1,1, down</a:t>
+              <a:t>0,0, down</a:t>
             </a:r>
             <a:endParaRPr lang="en-GB" dirty="0"/>
           </a:p>
@@ -3987,7 +3987,7 @@
             <a:pPr algn="ctr"/>
             <a:r>
               <a:rPr lang="hu-HU" dirty="0"/>
-              <a:t>2,1, down</a:t>
+              <a:t>1,0, down</a:t>
             </a:r>
             <a:endParaRPr lang="en-GB" dirty="0"/>
           </a:p>
@@ -4035,7 +4035,7 @@
             <a:pPr algn="ctr"/>
             <a:r>
               <a:rPr lang="hu-HU" dirty="0"/>
-              <a:t>3,1, down</a:t>
+              <a:t>2,0, down</a:t>
             </a:r>
             <a:endParaRPr lang="en-GB" dirty="0"/>
           </a:p>
@@ -4083,7 +4083,7 @@
             <a:pPr algn="ctr"/>
             <a:r>
               <a:rPr lang="hu-HU" dirty="0"/>
-              <a:t>1,2, down</a:t>
+              <a:t>0,1, down</a:t>
             </a:r>
             <a:endParaRPr lang="en-GB" dirty="0"/>
           </a:p>
@@ -4131,7 +4131,7 @@
             <a:pPr algn="ctr"/>
             <a:r>
               <a:rPr lang="hu-HU" dirty="0"/>
-              <a:t>2,2, down</a:t>
+              <a:t>1,1, down</a:t>
             </a:r>
             <a:endParaRPr lang="en-GB" dirty="0"/>
           </a:p>
@@ -4179,7 +4179,7 @@
             <a:pPr algn="ctr"/>
             <a:r>
               <a:rPr lang="hu-HU" dirty="0"/>
-              <a:t>1,3, down</a:t>
+              <a:t>0,2, down</a:t>
             </a:r>
             <a:endParaRPr lang="en-GB" dirty="0"/>
           </a:p>
@@ -4402,7 +4402,7 @@
                   </a:schemeClr>
                 </a:solidFill>
               </a:rPr>
-              <a:t>1,1</a:t>
+              <a:t>0,0</a:t>
             </a:r>
             <a:endParaRPr lang="en-GB" sz="2000" b="1" dirty="0">
               <a:solidFill>
@@ -4452,7 +4452,7 @@
                   </a:schemeClr>
                 </a:solidFill>
               </a:rPr>
-              <a:t>1,2</a:t>
+              <a:t>0,1</a:t>
             </a:r>
             <a:endParaRPr lang="en-GB" sz="2000" b="1" dirty="0">
               <a:solidFill>
@@ -4502,7 +4502,7 @@
                   </a:schemeClr>
                 </a:solidFill>
               </a:rPr>
-              <a:t>2,1</a:t>
+              <a:t>1,0</a:t>
             </a:r>
             <a:endParaRPr lang="en-GB" sz="2000" b="1" dirty="0">
               <a:solidFill>
@@ -4552,7 +4552,7 @@
                   </a:schemeClr>
                 </a:solidFill>
               </a:rPr>
-              <a:t>2,2</a:t>
+              <a:t>1,1</a:t>
             </a:r>
             <a:endParaRPr lang="en-GB" sz="2000" b="1" dirty="0">
               <a:solidFill>
@@ -4790,7 +4790,7 @@
                   </a:schemeClr>
                 </a:solidFill>
               </a:rPr>
-              <a:t>1,3</a:t>
+              <a:t>0,2</a:t>
             </a:r>
             <a:endParaRPr lang="en-GB" sz="2000" b="1" dirty="0">
               <a:solidFill>
@@ -4840,7 +4840,7 @@
                   </a:schemeClr>
                 </a:solidFill>
               </a:rPr>
-              <a:t>3,1</a:t>
+              <a:t>2,0</a:t>
             </a:r>
             <a:endParaRPr lang="en-GB" sz="2000" b="1" dirty="0">
               <a:solidFill>
